--- a/High School/Modern Electricity and Electronics/Unit 2 - Electrical Circuits and Devices/Section 3 - Introduction to Soldering/Assets/Unit 2 - Section 3 - Introduction to soldering.pptx
+++ b/High School/Modern Electricity and Electronics/Unit 2 - Electrical Circuits and Devices/Section 3 - Introduction to Soldering/Assets/Unit 2 - Section 3 - Introduction to soldering.pptx
@@ -5,19 +5,17 @@
     <p:sldMasterId id="2147483705" r:id="rId1"/>
   </p:sldMasterIdLst>
   <p:notesMasterIdLst>
-    <p:notesMasterId r:id="rId9"/>
+    <p:notesMasterId r:id="rId7"/>
   </p:notesMasterIdLst>
   <p:handoutMasterIdLst>
-    <p:handoutMasterId r:id="rId10"/>
+    <p:handoutMasterId r:id="rId8"/>
   </p:handoutMasterIdLst>
   <p:sldIdLst>
-    <p:sldId id="268" r:id="rId2"/>
-    <p:sldId id="277" r:id="rId3"/>
-    <p:sldId id="272" r:id="rId4"/>
+    <p:sldId id="272" r:id="rId2"/>
+    <p:sldId id="268" r:id="rId3"/>
+    <p:sldId id="277" r:id="rId4"/>
     <p:sldId id="271" r:id="rId5"/>
-    <p:sldId id="273" r:id="rId6"/>
-    <p:sldId id="274" r:id="rId7"/>
-    <p:sldId id="278" r:id="rId8"/>
+    <p:sldId id="278" r:id="rId6"/>
   </p:sldIdLst>
   <p:sldSz cx="12192000" cy="6858000"/>
   <p:notesSz cx="6858000" cy="9144000"/>
@@ -220,7 +218,7 @@
           <a:p>
             <a:fld id="{6AC4FB8F-ED15-48AB-97BD-17129D4E699D}" type="datetimeFigureOut">
               <a:rPr lang="en-US" smtClean="0"/>
-              <a:t>9/27/2018</a:t>
+              <a:t>10/1/2018</a:t>
             </a:fld>
             <a:endParaRPr lang="en-US" dirty="0"/>
           </a:p>
@@ -385,7 +383,7 @@
           <a:p>
             <a:fld id="{BBC9D437-CD83-4825-AD0D-5E7B341BC79B}" type="datetimeFigureOut">
               <a:rPr lang="en-US" smtClean="0"/>
-              <a:t>9/27/2018</a:t>
+              <a:t>10/1/2018</a:t>
             </a:fld>
             <a:endParaRPr lang="en-US" dirty="0"/>
           </a:p>
@@ -878,7 +876,7 @@
           <a:p>
             <a:fld id="{85AB7CBB-843F-464A-A764-71D6ADC27CFA}" type="datetime1">
               <a:rPr lang="en-US" smtClean="0"/>
-              <a:t>9/27/2018</a:t>
+              <a:t>10/1/2018</a:t>
             </a:fld>
             <a:endParaRPr lang="en-US" dirty="0"/>
           </a:p>
@@ -1103,7 +1101,7 @@
           <a:p>
             <a:fld id="{CBEFC03D-3A1F-4813-9337-02411FCC3A9A}" type="datetime1">
               <a:rPr lang="en-US" smtClean="0"/>
-              <a:t>9/27/2018</a:t>
+              <a:t>10/1/2018</a:t>
             </a:fld>
             <a:endParaRPr lang="en-US" dirty="0"/>
           </a:p>
@@ -1375,7 +1373,7 @@
           <a:p>
             <a:fld id="{3D638F79-DFA0-4C26-9553-23A017B69AB6}" type="datetime1">
               <a:rPr lang="en-US" smtClean="0"/>
-              <a:t>9/27/2018</a:t>
+              <a:t>10/1/2018</a:t>
             </a:fld>
             <a:endParaRPr lang="en-US" dirty="0"/>
           </a:p>
@@ -1486,7 +1484,7 @@
           <a:p>
             <a:fld id="{AA615CA6-EC4D-4728-8AA6-534BE7E9B67C}" type="datetime1">
               <a:rPr lang="en-US" smtClean="0"/>
-              <a:t>9/27/2018</a:t>
+              <a:t>10/1/2018</a:t>
             </a:fld>
             <a:endParaRPr lang="en-US" dirty="0"/>
           </a:p>
@@ -1671,7 +1669,7 @@
           <a:p>
             <a:fld id="{A70B34E7-E1D9-4FBF-A1A0-4009669A00BF}" type="datetime1">
               <a:rPr lang="en-US" smtClean="0"/>
-              <a:t>9/27/2018</a:t>
+              <a:t>10/1/2018</a:t>
             </a:fld>
             <a:endParaRPr lang="en-US" dirty="0"/>
           </a:p>
@@ -2031,7 +2029,7 @@
           <a:p>
             <a:fld id="{20EBB0C4-6273-4C6E-B9BD-2EDC30F1CD52}" type="datetimeFigureOut">
               <a:rPr lang="en-US" smtClean="0"/>
-              <a:t>9/27/2018</a:t>
+              <a:t>10/1/2018</a:t>
             </a:fld>
             <a:endParaRPr lang="en-US" dirty="0"/>
           </a:p>
@@ -2318,7 +2316,7 @@
           <a:p>
             <a:fld id="{7579E8B6-2F47-420B-83EA-EB2285D13EC9}" type="datetime1">
               <a:rPr lang="en-US" smtClean="0"/>
-              <a:t>9/27/2018</a:t>
+              <a:t>10/1/2018</a:t>
             </a:fld>
             <a:endParaRPr lang="en-US" dirty="0"/>
           </a:p>
@@ -2713,7 +2711,7 @@
           <a:p>
             <a:fld id="{2304803D-B10E-4B90-8456-A0E05393E233}" type="datetime1">
               <a:rPr lang="en-US" smtClean="0"/>
-              <a:t>9/27/2018</a:t>
+              <a:t>10/1/2018</a:t>
             </a:fld>
             <a:endParaRPr lang="en-US" dirty="0"/>
           </a:p>
@@ -2847,7 +2845,7 @@
           <a:p>
             <a:fld id="{CCE1E62F-6CCE-4064-96C2-2084AF883904}" type="datetime1">
               <a:rPr lang="en-US" smtClean="0"/>
-              <a:t>9/27/2018</a:t>
+              <a:t>10/1/2018</a:t>
             </a:fld>
             <a:endParaRPr lang="en-US" dirty="0"/>
           </a:p>
@@ -3034,7 +3032,7 @@
           <a:p>
             <a:fld id="{AA615CA6-EC4D-4728-8AA6-534BE7E9B67C}" type="datetime1">
               <a:rPr lang="en-US" smtClean="0"/>
-              <a:t>9/27/2018</a:t>
+              <a:t>10/1/2018</a:t>
             </a:fld>
             <a:endParaRPr lang="en-US" dirty="0"/>
           </a:p>
@@ -3404,7 +3402,7 @@
           <a:p>
             <a:fld id="{A6139942-0A2E-443A-842F-D6DE74360370}" type="datetime1">
               <a:rPr lang="en-US" smtClean="0"/>
-              <a:t>9/27/2018</a:t>
+              <a:t>10/1/2018</a:t>
             </a:fld>
             <a:endParaRPr lang="en-US" dirty="0"/>
           </a:p>
@@ -3797,7 +3795,7 @@
           <a:p>
             <a:fld id="{C9CAD897-D46E-4AD2-BD9B-49DD3E640873}" type="datetimeFigureOut">
               <a:rPr lang="en-US" smtClean="0"/>
-              <a:t>9/27/2018</a:t>
+              <a:t>10/1/2018</a:t>
             </a:fld>
             <a:endParaRPr lang="en-US" dirty="0"/>
           </a:p>
@@ -4148,7 +4146,7 @@
           <a:p>
             <a:fld id="{3F138946-C5C1-4A11-BA69-F12F43F8A94B}" type="datetime1">
               <a:rPr lang="en-US" smtClean="0"/>
-              <a:t>9/27/2018</a:t>
+              <a:t>10/1/2018</a:t>
             </a:fld>
             <a:endParaRPr lang="en-US" dirty="0"/>
           </a:p>
@@ -4714,7 +4712,7 @@
             <a:spLocks noGrp="1"/>
           </p:cNvSpPr>
           <p:nvPr>
-            <p:ph type="ctrTitle"/>
+            <p:ph type="title"/>
           </p:nvPr>
         </p:nvSpPr>
         <p:spPr/>
@@ -4724,41 +4722,38 @@
           <a:p>
             <a:r>
               <a:rPr lang="en-US" dirty="0"/>
-              <a:t>Electronics &amp; Electricity</a:t>
-            </a:r>
-          </a:p>
-        </p:txBody>
-      </p:sp>
-      <p:sp>
-        <p:nvSpPr>
-          <p:cNvPr id="3" name="Subtitle 2"/>
-          <p:cNvSpPr>
-            <a:spLocks noGrp="1"/>
-          </p:cNvSpPr>
-          <p:nvPr>
-            <p:ph type="subTitle" idx="1"/>
+              <a:t>Google classroom code</a:t>
+            </a:r>
+          </a:p>
+        </p:txBody>
+      </p:sp>
+      <p:sp>
+        <p:nvSpPr>
+          <p:cNvPr id="3" name="Content Placeholder 2"/>
+          <p:cNvSpPr>
+            <a:spLocks noGrp="1"/>
+          </p:cNvSpPr>
+          <p:nvPr>
+            <p:ph idx="1"/>
           </p:nvPr>
         </p:nvSpPr>
         <p:spPr/>
         <p:txBody>
           <a:bodyPr>
-            <a:normAutofit fontScale="85000" lnSpcReduction="20000"/>
+            <a:normAutofit/>
           </a:bodyPr>
           <a:lstStyle/>
           <a:p>
-            <a:r>
-              <a:rPr lang="en-US" dirty="0"/>
-              <a:t>Unit 2 – Electric Circuits and Devices</a:t>
-            </a:r>
-          </a:p>
-          <a:p>
-            <a:endParaRPr lang="en-US" dirty="0"/>
-          </a:p>
-          <a:p>
-            <a:r>
-              <a:rPr lang="en-US" dirty="0"/>
-              <a:t>Section 2 – Conductance and Resistance</a:t>
-            </a:r>
+            <a:pPr marL="0" indent="0" algn="ctr">
+              <a:buNone/>
+            </a:pPr>
+            <a:r>
+              <a:rPr lang="en-US" sz="19900" dirty="0"/>
+              <a:t>1c62ger</a:t>
+            </a:r>
+            <a:endParaRPr lang="en-US" sz="400000" b="1" dirty="0">
+              <a:cs typeface="Arial" pitchFamily="34" charset="0"/>
+            </a:endParaRPr>
           </a:p>
         </p:txBody>
       </p:sp>
@@ -4767,7 +4762,7 @@
           <p:cNvPr id="4" name="Footer Placeholder 3">
             <a:extLst>
               <a:ext uri="{FF2B5EF4-FFF2-40B4-BE49-F238E27FC236}">
-                <a16:creationId xmlns:a16="http://schemas.microsoft.com/office/drawing/2014/main" id="{1BD89EEB-0D82-48BB-B45A-39C4807CF951}"/>
+                <a16:creationId xmlns:a16="http://schemas.microsoft.com/office/drawing/2014/main" id="{EADFB87E-2A3F-4815-8F5E-3CF3521EBF24}"/>
               </a:ext>
             </a:extLst>
           </p:cNvPr>
@@ -4785,7 +4780,7 @@
           <a:p>
             <a:r>
               <a:rPr lang="en-US" dirty="0"/>
-              <a:t>Unit 1 – Section 1</a:t>
+              <a:t>Unit 1 – Section 1 - Day 1</a:t>
             </a:r>
           </a:p>
         </p:txBody>
@@ -4793,7 +4788,7 @@
     </p:spTree>
     <p:extLst>
       <p:ext uri="{BB962C8B-B14F-4D97-AF65-F5344CB8AC3E}">
-        <p14:creationId xmlns:p14="http://schemas.microsoft.com/office/powerpoint/2010/main" val="2413251912"/>
+        <p14:creationId xmlns:p14="http://schemas.microsoft.com/office/powerpoint/2010/main" val="1645033752"/>
       </p:ext>
     </p:extLst>
   </p:cSld>
@@ -4834,10 +4829,65 @@
       </p:grpSpPr>
       <p:sp>
         <p:nvSpPr>
-          <p:cNvPr id="2" name="Title 1">
+          <p:cNvPr id="2" name="Title 1"/>
+          <p:cNvSpPr>
+            <a:spLocks noGrp="1"/>
+          </p:cNvSpPr>
+          <p:nvPr>
+            <p:ph type="ctrTitle"/>
+          </p:nvPr>
+        </p:nvSpPr>
+        <p:spPr/>
+        <p:txBody>
+          <a:bodyPr/>
+          <a:lstStyle/>
+          <a:p>
+            <a:r>
+              <a:rPr lang="en-US" dirty="0"/>
+              <a:t>Electronics &amp; Electricity</a:t>
+            </a:r>
+          </a:p>
+        </p:txBody>
+      </p:sp>
+      <p:sp>
+        <p:nvSpPr>
+          <p:cNvPr id="3" name="Subtitle 2"/>
+          <p:cNvSpPr>
+            <a:spLocks noGrp="1"/>
+          </p:cNvSpPr>
+          <p:nvPr>
+            <p:ph type="subTitle" idx="1"/>
+          </p:nvPr>
+        </p:nvSpPr>
+        <p:spPr/>
+        <p:txBody>
+          <a:bodyPr>
+            <a:normAutofit fontScale="85000" lnSpcReduction="20000"/>
+          </a:bodyPr>
+          <a:lstStyle/>
+          <a:p>
+            <a:r>
+              <a:rPr lang="en-US" dirty="0"/>
+              <a:t>Unit 2 – Electric Circuits and Devices</a:t>
+            </a:r>
+          </a:p>
+          <a:p>
+            <a:endParaRPr lang="en-US" dirty="0"/>
+          </a:p>
+          <a:p>
+            <a:r>
+              <a:rPr lang="en-US" dirty="0"/>
+              <a:t>Section 3 – Introduction to soldering</a:t>
+            </a:r>
+          </a:p>
+        </p:txBody>
+      </p:sp>
+      <p:sp>
+        <p:nvSpPr>
+          <p:cNvPr id="4" name="Footer Placeholder 3">
             <a:extLst>
               <a:ext uri="{FF2B5EF4-FFF2-40B4-BE49-F238E27FC236}">
-                <a16:creationId xmlns:a16="http://schemas.microsoft.com/office/drawing/2014/main" id="{7AAD9E9C-644B-40CF-8B60-7CD77F3EAC65}"/>
+                <a16:creationId xmlns:a16="http://schemas.microsoft.com/office/drawing/2014/main" id="{1BD89EEB-0D82-48BB-B45A-39C4807CF951}"/>
               </a:ext>
             </a:extLst>
           </p:cNvPr>
@@ -4845,7 +4895,7 @@
             <a:spLocks noGrp="1"/>
           </p:cNvSpPr>
           <p:nvPr>
-            <p:ph type="title"/>
+            <p:ph type="ftr" sz="quarter" idx="11"/>
           </p:nvPr>
         </p:nvSpPr>
         <p:spPr/>
@@ -4855,68 +4905,15 @@
           <a:p>
             <a:r>
               <a:rPr lang="en-US" dirty="0"/>
-              <a:t>Electric Circuits and Devices </a:t>
-            </a:r>
-          </a:p>
-        </p:txBody>
-      </p:sp>
-      <p:sp>
-        <p:nvSpPr>
-          <p:cNvPr id="3" name="Text Placeholder 2">
-            <a:extLst>
-              <a:ext uri="{FF2B5EF4-FFF2-40B4-BE49-F238E27FC236}">
-                <a16:creationId xmlns:a16="http://schemas.microsoft.com/office/drawing/2014/main" id="{F1416FA5-60EE-4E88-BF08-02C91A452D67}"/>
-              </a:ext>
-            </a:extLst>
-          </p:cNvPr>
-          <p:cNvSpPr>
-            <a:spLocks noGrp="1"/>
-          </p:cNvSpPr>
-          <p:nvPr>
-            <p:ph type="body" idx="1"/>
-          </p:nvPr>
-        </p:nvSpPr>
-        <p:spPr/>
-        <p:txBody>
-          <a:bodyPr/>
-          <a:lstStyle/>
-          <a:p>
-            <a:r>
-              <a:rPr lang="en-US" dirty="0"/>
-              <a:t>Conductance and Resistance</a:t>
-            </a:r>
-          </a:p>
-        </p:txBody>
-      </p:sp>
-      <p:sp>
-        <p:nvSpPr>
-          <p:cNvPr id="4" name="Footer Placeholder 3">
-            <a:extLst>
-              <a:ext uri="{FF2B5EF4-FFF2-40B4-BE49-F238E27FC236}">
-                <a16:creationId xmlns:a16="http://schemas.microsoft.com/office/drawing/2014/main" id="{C38F2B1D-5AE8-4375-BC2B-5E2210E6B93D}"/>
-              </a:ext>
-            </a:extLst>
-          </p:cNvPr>
-          <p:cNvSpPr>
-            <a:spLocks noGrp="1"/>
-          </p:cNvSpPr>
-          <p:nvPr>
-            <p:ph type="ftr" sz="quarter" idx="11"/>
-          </p:nvPr>
-        </p:nvSpPr>
-        <p:spPr/>
-        <p:txBody>
-          <a:bodyPr/>
-          <a:lstStyle/>
-          <a:p>
-            <a:endParaRPr lang="en-US" dirty="0"/>
+              <a:t>Unit 1 – Section 1</a:t>
+            </a:r>
           </a:p>
         </p:txBody>
       </p:sp>
     </p:spTree>
     <p:extLst>
       <p:ext uri="{BB962C8B-B14F-4D97-AF65-F5344CB8AC3E}">
-        <p14:creationId xmlns:p14="http://schemas.microsoft.com/office/powerpoint/2010/main" val="2525585855"/>
+        <p14:creationId xmlns:p14="http://schemas.microsoft.com/office/powerpoint/2010/main" val="2413251912"/>
       </p:ext>
     </p:extLst>
   </p:cSld>
@@ -4957,7 +4954,13 @@
       </p:grpSpPr>
       <p:sp>
         <p:nvSpPr>
-          <p:cNvPr id="2" name="Title 1"/>
+          <p:cNvPr id="2" name="Title 1">
+            <a:extLst>
+              <a:ext uri="{FF2B5EF4-FFF2-40B4-BE49-F238E27FC236}">
+                <a16:creationId xmlns:a16="http://schemas.microsoft.com/office/drawing/2014/main" id="{7AAD9E9C-644B-40CF-8B60-7CD77F3EAC65}"/>
+              </a:ext>
+            </a:extLst>
+          </p:cNvPr>
           <p:cNvSpPr>
             <a:spLocks noGrp="1"/>
           </p:cNvSpPr>
@@ -4972,38 +4975,36 @@
           <a:p>
             <a:r>
               <a:rPr lang="en-US" dirty="0"/>
-              <a:t>Google classroom code</a:t>
-            </a:r>
-          </a:p>
-        </p:txBody>
-      </p:sp>
-      <p:sp>
-        <p:nvSpPr>
-          <p:cNvPr id="3" name="Content Placeholder 2"/>
-          <p:cNvSpPr>
-            <a:spLocks noGrp="1"/>
-          </p:cNvSpPr>
-          <p:nvPr>
-            <p:ph idx="1"/>
+              <a:t>Introduction to Soldering</a:t>
+            </a:r>
+          </a:p>
+        </p:txBody>
+      </p:sp>
+      <p:sp>
+        <p:nvSpPr>
+          <p:cNvPr id="3" name="Text Placeholder 2">
+            <a:extLst>
+              <a:ext uri="{FF2B5EF4-FFF2-40B4-BE49-F238E27FC236}">
+                <a16:creationId xmlns:a16="http://schemas.microsoft.com/office/drawing/2014/main" id="{F1416FA5-60EE-4E88-BF08-02C91A452D67}"/>
+              </a:ext>
+            </a:extLst>
+          </p:cNvPr>
+          <p:cNvSpPr>
+            <a:spLocks noGrp="1"/>
+          </p:cNvSpPr>
+          <p:nvPr>
+            <p:ph type="body" idx="1"/>
           </p:nvPr>
         </p:nvSpPr>
         <p:spPr/>
         <p:txBody>
-          <a:bodyPr>
-            <a:normAutofit/>
-          </a:bodyPr>
-          <a:lstStyle/>
-          <a:p>
-            <a:pPr marL="0" indent="0" algn="ctr">
-              <a:buNone/>
-            </a:pPr>
-            <a:r>
-              <a:rPr lang="en-US" sz="19900" dirty="0"/>
-              <a:t>1c62ger</a:t>
-            </a:r>
-            <a:endParaRPr lang="en-US" sz="400000" b="1" dirty="0">
-              <a:cs typeface="Arial" pitchFamily="34" charset="0"/>
-            </a:endParaRPr>
+          <a:bodyPr/>
+          <a:lstStyle/>
+          <a:p>
+            <a:r>
+              <a:rPr lang="en-US" dirty="0"/>
+              <a:t>Electric Circuits and Devices</a:t>
+            </a:r>
           </a:p>
         </p:txBody>
       </p:sp>
@@ -5012,7 +5013,7 @@
           <p:cNvPr id="4" name="Footer Placeholder 3">
             <a:extLst>
               <a:ext uri="{FF2B5EF4-FFF2-40B4-BE49-F238E27FC236}">
-                <a16:creationId xmlns:a16="http://schemas.microsoft.com/office/drawing/2014/main" id="{EADFB87E-2A3F-4815-8F5E-3CF3521EBF24}"/>
+                <a16:creationId xmlns:a16="http://schemas.microsoft.com/office/drawing/2014/main" id="{C38F2B1D-5AE8-4375-BC2B-5E2210E6B93D}"/>
               </a:ext>
             </a:extLst>
           </p:cNvPr>
@@ -5028,17 +5029,14 @@
           <a:bodyPr/>
           <a:lstStyle/>
           <a:p>
-            <a:r>
-              <a:rPr lang="en-US" dirty="0"/>
-              <a:t>Unit 1 – Section 1 - Day 1</a:t>
-            </a:r>
+            <a:endParaRPr lang="en-US" dirty="0"/>
           </a:p>
         </p:txBody>
       </p:sp>
     </p:spTree>
     <p:extLst>
       <p:ext uri="{BB962C8B-B14F-4D97-AF65-F5344CB8AC3E}">
-        <p14:creationId xmlns:p14="http://schemas.microsoft.com/office/powerpoint/2010/main" val="1645033752"/>
+        <p14:creationId xmlns:p14="http://schemas.microsoft.com/office/powerpoint/2010/main" val="2525585855"/>
       </p:ext>
     </p:extLst>
   </p:cSld>
@@ -5122,7 +5120,7 @@
               <a:rPr lang="en-US" dirty="0">
                 <a:cs typeface="Arial" pitchFamily="34" charset="0"/>
               </a:rPr>
-              <a:t> Define the terms conductor and insulator</a:t>
+              <a:t> Identify resistor values</a:t>
             </a:r>
           </a:p>
           <a:p>
@@ -5134,7 +5132,7 @@
               <a:rPr lang="en-US" dirty="0">
                 <a:cs typeface="Arial" pitchFamily="34" charset="0"/>
               </a:rPr>
-              <a:t> Describe certain types of resistors</a:t>
+              <a:t> Identify capacitor values</a:t>
             </a:r>
           </a:p>
           <a:p>
@@ -5146,7 +5144,7 @@
               <a:rPr lang="en-US" dirty="0">
                 <a:cs typeface="Arial" pitchFamily="34" charset="0"/>
               </a:rPr>
-              <a:t> Sketch an illustration of electrons flowing through a wire</a:t>
+              <a:t>Safety precautions</a:t>
             </a:r>
           </a:p>
           <a:p>
@@ -5158,7 +5156,7 @@
               <a:rPr lang="en-US" dirty="0">
                 <a:cs typeface="Arial" pitchFamily="34" charset="0"/>
               </a:rPr>
-              <a:t> Determine the resistance value by resistor color code</a:t>
+              <a:t>Use of flux and solder</a:t>
             </a:r>
           </a:p>
           <a:p>
@@ -5170,8 +5168,17 @@
               <a:rPr lang="en-US" dirty="0">
                 <a:cs typeface="Arial" pitchFamily="34" charset="0"/>
               </a:rPr>
-              <a:t> Electrons flow differently by the kinds of materials in the circuit</a:t>
-            </a:r>
+              <a:t>Solder removal techniques</a:t>
+            </a:r>
+          </a:p>
+          <a:p>
+            <a:pPr>
+              <a:buFont typeface="Wingdings" panose="05000000000000000000" pitchFamily="2" charset="2"/>
+              <a:buChar char="§"/>
+            </a:pPr>
+            <a:endParaRPr lang="en-US" dirty="0">
+              <a:cs typeface="Arial" pitchFamily="34" charset="0"/>
+            </a:endParaRPr>
           </a:p>
         </p:txBody>
       </p:sp>
@@ -5250,7 +5257,7 @@
           <p:cNvPr id="2" name="Title 1">
             <a:extLst>
               <a:ext uri="{FF2B5EF4-FFF2-40B4-BE49-F238E27FC236}">
-                <a16:creationId xmlns:a16="http://schemas.microsoft.com/office/drawing/2014/main" id="{A9A59EAC-E562-4BC9-8C64-94279948AFFC}"/>
+                <a16:creationId xmlns:a16="http://schemas.microsoft.com/office/drawing/2014/main" id="{59795AF3-CD49-496F-AD5D-1C77837C3F46}"/>
               </a:ext>
             </a:extLst>
           </p:cNvPr>
@@ -5268,7 +5275,7 @@
           <a:p>
             <a:r>
               <a:rPr lang="en-US" dirty="0"/>
-              <a:t>Terms</a:t>
+              <a:t>Review soldering practice</a:t>
             </a:r>
           </a:p>
         </p:txBody>
@@ -5278,7 +5285,7 @@
           <p:cNvPr id="3" name="Content Placeholder 2">
             <a:extLst>
               <a:ext uri="{FF2B5EF4-FFF2-40B4-BE49-F238E27FC236}">
-                <a16:creationId xmlns:a16="http://schemas.microsoft.com/office/drawing/2014/main" id="{72CB055A-E28B-4CFE-BB6B-F6FC961EE3B7}"/>
+                <a16:creationId xmlns:a16="http://schemas.microsoft.com/office/drawing/2014/main" id="{3C2119D1-4490-4A41-931E-3B87A2B31BD0}"/>
               </a:ext>
             </a:extLst>
           </p:cNvPr>
@@ -5291,51 +5298,10 @@
         </p:nvSpPr>
         <p:spPr/>
         <p:txBody>
-          <a:bodyPr>
-            <a:normAutofit/>
-          </a:bodyPr>
-          <a:lstStyle/>
-          <a:p>
-            <a:r>
-              <a:rPr lang="en-US" dirty="0"/>
-              <a:t>Conductor</a:t>
-            </a:r>
-          </a:p>
-          <a:p>
-            <a:r>
-              <a:rPr lang="en-US" dirty="0"/>
-              <a:t>Insulator</a:t>
-            </a:r>
-          </a:p>
-          <a:p>
-            <a:r>
-              <a:rPr lang="en-US" dirty="0"/>
-              <a:t>Ohm</a:t>
-            </a:r>
-          </a:p>
-          <a:p>
-            <a:r>
-              <a:rPr lang="en-US" dirty="0"/>
-              <a:t>Potentiometers</a:t>
-            </a:r>
-          </a:p>
-          <a:p>
-            <a:r>
-              <a:rPr lang="en-US" dirty="0"/>
-              <a:t>Resistance</a:t>
-            </a:r>
-          </a:p>
-          <a:p>
-            <a:r>
-              <a:rPr lang="en-US" dirty="0"/>
-              <a:t>Resistor</a:t>
-            </a:r>
-          </a:p>
-          <a:p>
-            <a:r>
-              <a:rPr lang="en-US" dirty="0"/>
-              <a:t>Tolerance</a:t>
-            </a:r>
+          <a:bodyPr/>
+          <a:lstStyle/>
+          <a:p>
+            <a:endParaRPr lang="en-US"/>
           </a:p>
         </p:txBody>
       </p:sp>
@@ -5344,7 +5310,7 @@
           <p:cNvPr id="4" name="Footer Placeholder 3">
             <a:extLst>
               <a:ext uri="{FF2B5EF4-FFF2-40B4-BE49-F238E27FC236}">
-                <a16:creationId xmlns:a16="http://schemas.microsoft.com/office/drawing/2014/main" id="{8BF08373-69FD-4A8A-970C-9B614DF2131A}"/>
+                <a16:creationId xmlns:a16="http://schemas.microsoft.com/office/drawing/2014/main" id="{06B5F5AD-38D2-47A2-B16A-02E7FB24A71E}"/>
               </a:ext>
             </a:extLst>
           </p:cNvPr>
@@ -5371,682 +5337,7 @@
     </p:spTree>
     <p:extLst>
       <p:ext uri="{BB962C8B-B14F-4D97-AF65-F5344CB8AC3E}">
-        <p14:creationId xmlns:p14="http://schemas.microsoft.com/office/powerpoint/2010/main" val="2931580134"/>
-      </p:ext>
-    </p:extLst>
-  </p:cSld>
-  <p:clrMapOvr>
-    <a:masterClrMapping/>
-  </p:clrMapOvr>
-  <mc:AlternateContent xmlns:mc="http://schemas.openxmlformats.org/markup-compatibility/2006" xmlns:p14="http://schemas.microsoft.com/office/powerpoint/2010/main">
-    <mc:Choice Requires="p14">
-      <p:transition spd="med" p14:dur="700">
-        <p:fade/>
-      </p:transition>
-    </mc:Choice>
-    <mc:Fallback xmlns="">
-      <p:transition spd="med">
-        <p:fade/>
-      </p:transition>
-    </mc:Fallback>
-  </mc:AlternateContent>
-</p:sld>
-</file>
-
-<file path=ppt/slides/slide6.xml><?xml version="1.0" encoding="utf-8"?>
-<p:sld xmlns:a="http://schemas.openxmlformats.org/drawingml/2006/main" xmlns:r="http://schemas.openxmlformats.org/officeDocument/2006/relationships" xmlns:p="http://schemas.openxmlformats.org/presentationml/2006/main">
-  <p:cSld>
-    <p:spTree>
-      <p:nvGrpSpPr>
-        <p:cNvPr id="1" name=""/>
-        <p:cNvGrpSpPr/>
-        <p:nvPr/>
-      </p:nvGrpSpPr>
-      <p:grpSpPr>
-        <a:xfrm>
-          <a:off x="0" y="0"/>
-          <a:ext cx="0" cy="0"/>
-          <a:chOff x="0" y="0"/>
-          <a:chExt cx="0" cy="0"/>
-        </a:xfrm>
-      </p:grpSpPr>
-      <p:sp>
-        <p:nvSpPr>
-          <p:cNvPr id="2" name="Title 1">
-            <a:extLst>
-              <a:ext uri="{FF2B5EF4-FFF2-40B4-BE49-F238E27FC236}">
-                <a16:creationId xmlns:a16="http://schemas.microsoft.com/office/drawing/2014/main" id="{BBFF0D00-89FD-4E98-BEB1-3C14257420EC}"/>
-              </a:ext>
-            </a:extLst>
-          </p:cNvPr>
-          <p:cNvSpPr>
-            <a:spLocks noGrp="1"/>
-          </p:cNvSpPr>
-          <p:nvPr>
-            <p:ph type="title"/>
-          </p:nvPr>
-        </p:nvSpPr>
-        <p:spPr/>
-        <p:txBody>
-          <a:bodyPr/>
-          <a:lstStyle/>
-          <a:p>
-            <a:r>
-              <a:rPr lang="en-US" dirty="0"/>
-              <a:t>Conductors</a:t>
-            </a:r>
-          </a:p>
-        </p:txBody>
-      </p:sp>
-      <p:sp>
-        <p:nvSpPr>
-          <p:cNvPr id="3" name="Content Placeholder 2">
-            <a:extLst>
-              <a:ext uri="{FF2B5EF4-FFF2-40B4-BE49-F238E27FC236}">
-                <a16:creationId xmlns:a16="http://schemas.microsoft.com/office/drawing/2014/main" id="{A7BA6B08-D3F4-43CD-81E4-5A5504F85073}"/>
-              </a:ext>
-            </a:extLst>
-          </p:cNvPr>
-          <p:cNvSpPr>
-            <a:spLocks noGrp="1"/>
-          </p:cNvSpPr>
-          <p:nvPr>
-            <p:ph idx="1"/>
-          </p:nvPr>
-        </p:nvSpPr>
-        <p:spPr/>
-        <p:txBody>
-          <a:bodyPr>
-            <a:normAutofit/>
-          </a:bodyPr>
-          <a:lstStyle/>
-          <a:p>
-            <a:pPr>
-              <a:buFont typeface="Wingdings" panose="05000000000000000000" pitchFamily="2" charset="2"/>
-              <a:buChar char="§"/>
-            </a:pPr>
-            <a:r>
-              <a:rPr lang="en-US" dirty="0"/>
-              <a:t> A material through which electrons flow easily</a:t>
-            </a:r>
-          </a:p>
-          <a:p>
-            <a:pPr marL="0" indent="0">
-              <a:buNone/>
-            </a:pPr>
-            <a:r>
-              <a:rPr lang="en-US" dirty="0"/>
-              <a:t>3 good electrical conductors are:</a:t>
-            </a:r>
-          </a:p>
-          <a:p>
-            <a:pPr marL="457200" indent="-457200">
-              <a:buFont typeface="+mj-lt"/>
-              <a:buAutoNum type="arabicPeriod"/>
-            </a:pPr>
-            <a:r>
-              <a:rPr lang="en-US" dirty="0"/>
-              <a:t>Silver</a:t>
-            </a:r>
-          </a:p>
-          <a:p>
-            <a:pPr marL="457200" indent="-457200">
-              <a:buFont typeface="+mj-lt"/>
-              <a:buAutoNum type="arabicPeriod"/>
-            </a:pPr>
-            <a:r>
-              <a:rPr lang="en-US" dirty="0"/>
-              <a:t>Copper</a:t>
-            </a:r>
-          </a:p>
-          <a:p>
-            <a:pPr marL="457200" indent="-457200">
-              <a:buFont typeface="+mj-lt"/>
-              <a:buAutoNum type="arabicPeriod"/>
-            </a:pPr>
-            <a:r>
-              <a:rPr lang="en-US" dirty="0"/>
-              <a:t>Aluminum</a:t>
-            </a:r>
-          </a:p>
-          <a:p>
-            <a:pPr marL="0" indent="0">
-              <a:buNone/>
-            </a:pPr>
-            <a:r>
-              <a:rPr lang="en-US" i="1" dirty="0"/>
-              <a:t>* Metals are generally good conductors</a:t>
-            </a:r>
-          </a:p>
-          <a:p>
-            <a:endParaRPr lang="en-US" dirty="0"/>
-          </a:p>
-        </p:txBody>
-      </p:sp>
-      <p:sp>
-        <p:nvSpPr>
-          <p:cNvPr id="4" name="Footer Placeholder 3">
-            <a:extLst>
-              <a:ext uri="{FF2B5EF4-FFF2-40B4-BE49-F238E27FC236}">
-                <a16:creationId xmlns:a16="http://schemas.microsoft.com/office/drawing/2014/main" id="{7C35F161-54A9-47C9-BB10-85BDF717D57D}"/>
-              </a:ext>
-            </a:extLst>
-          </p:cNvPr>
-          <p:cNvSpPr>
-            <a:spLocks noGrp="1"/>
-          </p:cNvSpPr>
-          <p:nvPr>
-            <p:ph type="ftr" sz="quarter" idx="11"/>
-          </p:nvPr>
-        </p:nvSpPr>
-        <p:spPr/>
-        <p:txBody>
-          <a:bodyPr/>
-          <a:lstStyle/>
-          <a:p>
-            <a:r>
-              <a:rPr lang="en-US"/>
-              <a:t>Add a footer</a:t>
-            </a:r>
-            <a:endParaRPr lang="en-US" dirty="0"/>
-          </a:p>
-        </p:txBody>
-      </p:sp>
-    </p:spTree>
-    <p:extLst>
-      <p:ext uri="{BB962C8B-B14F-4D97-AF65-F5344CB8AC3E}">
-        <p14:creationId xmlns:p14="http://schemas.microsoft.com/office/powerpoint/2010/main" val="1029922936"/>
-      </p:ext>
-    </p:extLst>
-  </p:cSld>
-  <p:clrMapOvr>
-    <a:masterClrMapping/>
-  </p:clrMapOvr>
-  <mc:AlternateContent xmlns:mc="http://schemas.openxmlformats.org/markup-compatibility/2006" xmlns:p14="http://schemas.microsoft.com/office/powerpoint/2010/main">
-    <mc:Choice Requires="p14">
-      <p:transition spd="med" p14:dur="700">
-        <p:fade/>
-      </p:transition>
-    </mc:Choice>
-    <mc:Fallback xmlns="">
-      <p:transition spd="med">
-        <p:fade/>
-      </p:transition>
-    </mc:Fallback>
-  </mc:AlternateContent>
-</p:sld>
-</file>
-
-<file path=ppt/slides/slide7.xml><?xml version="1.0" encoding="utf-8"?>
-<p:sld xmlns:a="http://schemas.openxmlformats.org/drawingml/2006/main" xmlns:r="http://schemas.openxmlformats.org/officeDocument/2006/relationships" xmlns:p="http://schemas.openxmlformats.org/presentationml/2006/main">
-  <p:cSld>
-    <p:bg>
-      <p:bgPr>
-        <a:solidFill>
-          <a:schemeClr val="bg1"/>
-        </a:solidFill>
-        <a:effectLst/>
-      </p:bgPr>
-    </p:bg>
-    <p:spTree>
-      <p:nvGrpSpPr>
-        <p:cNvPr id="1" name=""/>
-        <p:cNvGrpSpPr/>
-        <p:nvPr/>
-      </p:nvGrpSpPr>
-      <p:grpSpPr>
-        <a:xfrm>
-          <a:off x="0" y="0"/>
-          <a:ext cx="0" cy="0"/>
-          <a:chOff x="0" y="0"/>
-          <a:chExt cx="0" cy="0"/>
-        </a:xfrm>
-      </p:grpSpPr>
-      <p:sp useBgFill="1">
-        <p:nvSpPr>
-          <p:cNvPr id="71" name="Rectangle 70">
-            <a:extLst>
-              <a:ext uri="{FF2B5EF4-FFF2-40B4-BE49-F238E27FC236}">
-                <a16:creationId xmlns:a16="http://schemas.microsoft.com/office/drawing/2014/main" id="{C5138816-AF06-47EE-964C-EC93C016D5F6}"/>
-              </a:ext>
-              <a:ext uri="{C183D7F6-B498-43B3-948B-1728B52AA6E4}">
-                <adec:decorative xmlns:adec="http://schemas.microsoft.com/office/drawing/2017/decorative" val="1"/>
-              </a:ext>
-            </a:extLst>
-          </p:cNvPr>
-          <p:cNvSpPr>
-            <a:spLocks noGrp="1" noRot="1" noChangeAspect="1" noMove="1" noResize="1" noEditPoints="1" noAdjustHandles="1" noChangeArrowheads="1" noChangeShapeType="1" noTextEdit="1"/>
-          </p:cNvSpPr>
-          <p:nvPr>
-            <p:extLst>
-              <p:ext uri="{386F3935-93C4-4BCD-93E2-E3B085C9AB24}">
-                <p16:designElem xmlns:p16="http://schemas.microsoft.com/office/powerpoint/2015/main" val="1"/>
-              </p:ext>
-            </p:extLst>
-          </p:nvPr>
-        </p:nvSpPr>
-        <p:spPr>
-          <a:xfrm>
-            <a:off x="0" y="0"/>
-            <a:ext cx="12192001" cy="6334316"/>
-          </a:xfrm>
-          <a:prstGeom prst="rect">
-            <a:avLst/>
-          </a:prstGeom>
-          <a:ln>
-            <a:noFill/>
-          </a:ln>
-        </p:spPr>
-        <p:style>
-          <a:lnRef idx="2">
-            <a:schemeClr val="accent1">
-              <a:shade val="50000"/>
-            </a:schemeClr>
-          </a:lnRef>
-          <a:fillRef idx="1">
-            <a:schemeClr val="accent1"/>
-          </a:fillRef>
-          <a:effectRef idx="0">
-            <a:schemeClr val="accent1"/>
-          </a:effectRef>
-          <a:fontRef idx="minor">
-            <a:schemeClr val="lt1"/>
-          </a:fontRef>
-        </p:style>
-        <p:txBody>
-          <a:bodyPr rtlCol="0" anchor="ctr"/>
-          <a:lstStyle/>
-          <a:p>
-            <a:pPr algn="ctr"/>
-            <a:endParaRPr lang="en-US"/>
-          </a:p>
-        </p:txBody>
-      </p:sp>
-      <p:sp>
-        <p:nvSpPr>
-          <p:cNvPr id="2" name="Title 1">
-            <a:extLst>
-              <a:ext uri="{FF2B5EF4-FFF2-40B4-BE49-F238E27FC236}">
-                <a16:creationId xmlns:a16="http://schemas.microsoft.com/office/drawing/2014/main" id="{06C8554A-E4E3-4CC1-8087-AD676A08253A}"/>
-              </a:ext>
-            </a:extLst>
-          </p:cNvPr>
-          <p:cNvSpPr>
-            <a:spLocks noGrp="1"/>
-          </p:cNvSpPr>
-          <p:nvPr>
-            <p:ph type="title"/>
-          </p:nvPr>
-        </p:nvSpPr>
-        <p:spPr>
-          <a:xfrm>
-            <a:off x="4974771" y="634946"/>
-            <a:ext cx="6574972" cy="1450757"/>
-          </a:xfrm>
-        </p:spPr>
-        <p:txBody>
-          <a:bodyPr>
-            <a:normAutofit/>
-          </a:bodyPr>
-          <a:lstStyle/>
-          <a:p>
-            <a:r>
-              <a:rPr lang="en-US" dirty="0"/>
-              <a:t>Resistance</a:t>
-            </a:r>
-          </a:p>
-        </p:txBody>
-      </p:sp>
-      <p:pic>
-        <p:nvPicPr>
-          <p:cNvPr id="1026" name="Picture 2" descr="Image result for georg simon ohm">
-            <a:extLst>
-              <a:ext uri="{FF2B5EF4-FFF2-40B4-BE49-F238E27FC236}">
-                <a16:creationId xmlns:a16="http://schemas.microsoft.com/office/drawing/2014/main" id="{B72A427B-C700-4FDA-8302-7FF96B18A50D}"/>
-              </a:ext>
-            </a:extLst>
-          </p:cNvPr>
-          <p:cNvPicPr>
-            <a:picLocks noChangeAspect="1" noChangeArrowheads="1"/>
-          </p:cNvPicPr>
-          <p:nvPr/>
-        </p:nvPicPr>
-        <p:blipFill rotWithShape="1">
-          <a:blip r:embed="rId2">
-            <a:extLst>
-              <a:ext uri="{28A0092B-C50C-407E-A947-70E740481C1C}">
-                <a14:useLocalDpi xmlns:a14="http://schemas.microsoft.com/office/drawing/2010/main" val="0"/>
-              </a:ext>
-            </a:extLst>
-          </a:blip>
-          <a:srcRect r="-2" b="717"/>
-          <a:stretch/>
-        </p:blipFill>
-        <p:spPr bwMode="auto">
-          <a:xfrm>
-            <a:off x="633999" y="640081"/>
-            <a:ext cx="4001315" cy="5314406"/>
-          </a:xfrm>
-          <a:prstGeom prst="rect">
-            <a:avLst/>
-          </a:prstGeom>
-          <a:noFill/>
-          <a:extLst>
-            <a:ext uri="{909E8E84-426E-40DD-AFC4-6F175D3DCCD1}">
-              <a14:hiddenFill xmlns:a14="http://schemas.microsoft.com/office/drawing/2010/main">
-                <a:solidFill>
-                  <a:srgbClr val="FFFFFF"/>
-                </a:solidFill>
-              </a14:hiddenFill>
-            </a:ext>
-          </a:extLst>
-        </p:spPr>
-      </p:pic>
-      <p:cxnSp>
-        <p:nvCxnSpPr>
-          <p:cNvPr id="73" name="Straight Connector 72">
-            <a:extLst>
-              <a:ext uri="{FF2B5EF4-FFF2-40B4-BE49-F238E27FC236}">
-                <a16:creationId xmlns:a16="http://schemas.microsoft.com/office/drawing/2014/main" id="{87ED8B4E-BB7E-447F-A35F-4D3AF6C0A693}"/>
-              </a:ext>
-              <a:ext uri="{C183D7F6-B498-43B3-948B-1728B52AA6E4}">
-                <adec:decorative xmlns:adec="http://schemas.microsoft.com/office/drawing/2017/decorative" val="1"/>
-              </a:ext>
-            </a:extLst>
-          </p:cNvPr>
-          <p:cNvCxnSpPr>
-            <a:cxnSpLocks noGrp="1" noRot="1" noChangeAspect="1" noMove="1" noResize="1" noEditPoints="1" noAdjustHandles="1" noChangeArrowheads="1" noChangeShapeType="1"/>
-          </p:cNvCxnSpPr>
-          <p:nvPr>
-            <p:extLst>
-              <p:ext uri="{386F3935-93C4-4BCD-93E2-E3B085C9AB24}">
-                <p16:designElem xmlns:p16="http://schemas.microsoft.com/office/powerpoint/2015/main" val="1"/>
-              </p:ext>
-            </p:extLst>
-          </p:nvPr>
-        </p:nvCxnSpPr>
-        <p:spPr>
-          <a:xfrm>
-            <a:off x="4974770" y="2086188"/>
-            <a:ext cx="6089768" cy="0"/>
-          </a:xfrm>
-          <a:prstGeom prst="line">
-            <a:avLst/>
-          </a:prstGeom>
-          <a:ln w="6350">
-            <a:solidFill>
-              <a:schemeClr val="tx1">
-                <a:lumMod val="50000"/>
-                <a:lumOff val="50000"/>
-                <a:alpha val="90000"/>
-              </a:schemeClr>
-            </a:solidFill>
-          </a:ln>
-        </p:spPr>
-        <p:style>
-          <a:lnRef idx="1">
-            <a:schemeClr val="accent1"/>
-          </a:lnRef>
-          <a:fillRef idx="0">
-            <a:schemeClr val="accent1"/>
-          </a:fillRef>
-          <a:effectRef idx="0">
-            <a:schemeClr val="accent1"/>
-          </a:effectRef>
-          <a:fontRef idx="minor">
-            <a:schemeClr val="tx1"/>
-          </a:fontRef>
-        </p:style>
-      </p:cxnSp>
-      <p:sp>
-        <p:nvSpPr>
-          <p:cNvPr id="3" name="Content Placeholder 2">
-            <a:extLst>
-              <a:ext uri="{FF2B5EF4-FFF2-40B4-BE49-F238E27FC236}">
-                <a16:creationId xmlns:a16="http://schemas.microsoft.com/office/drawing/2014/main" id="{77F62304-6831-4008-BA7E-D7D03827048E}"/>
-              </a:ext>
-            </a:extLst>
-          </p:cNvPr>
-          <p:cNvSpPr>
-            <a:spLocks noGrp="1"/>
-          </p:cNvSpPr>
-          <p:nvPr>
-            <p:ph idx="1"/>
-          </p:nvPr>
-        </p:nvSpPr>
-        <p:spPr>
-          <a:xfrm>
-            <a:off x="4974769" y="2198914"/>
-            <a:ext cx="6574973" cy="3670180"/>
-          </a:xfrm>
-        </p:spPr>
-        <p:txBody>
-          <a:bodyPr>
-            <a:normAutofit/>
-          </a:bodyPr>
-          <a:lstStyle/>
-          <a:p>
-            <a:pPr>
-              <a:buFont typeface="Wingdings" panose="05000000000000000000" pitchFamily="2" charset="2"/>
-              <a:buChar char="§"/>
-            </a:pPr>
-            <a:r>
-              <a:rPr lang="en-US" dirty="0"/>
-              <a:t> An opposing force between one thing and another</a:t>
-            </a:r>
-          </a:p>
-          <a:p>
-            <a:pPr>
-              <a:buFont typeface="Wingdings" panose="05000000000000000000" pitchFamily="2" charset="2"/>
-              <a:buChar char="§"/>
-            </a:pPr>
-            <a:r>
-              <a:rPr lang="en-US" dirty="0"/>
-              <a:t> The unit of resistance is the </a:t>
-            </a:r>
-            <a:r>
-              <a:rPr lang="en-US" b="1" dirty="0"/>
-              <a:t>OHM</a:t>
-            </a:r>
-          </a:p>
-          <a:p>
-            <a:pPr>
-              <a:buFont typeface="Wingdings" panose="05000000000000000000" pitchFamily="2" charset="2"/>
-              <a:buChar char="§"/>
-            </a:pPr>
-            <a:r>
-              <a:rPr lang="en-US" b="1" dirty="0"/>
-              <a:t> </a:t>
-            </a:r>
-            <a:r>
-              <a:rPr lang="en-US" dirty="0"/>
-              <a:t>Names of Georg Simon Ohm (1787-1854)</a:t>
-            </a:r>
-          </a:p>
-          <a:p>
-            <a:pPr>
-              <a:buFont typeface="Wingdings" panose="05000000000000000000" pitchFamily="2" charset="2"/>
-              <a:buChar char="§"/>
-            </a:pPr>
-            <a:r>
-              <a:rPr lang="en-US" dirty="0"/>
-              <a:t> A </a:t>
-            </a:r>
-            <a:r>
-              <a:rPr lang="en-US" dirty="0" err="1"/>
-              <a:t>german</a:t>
-            </a:r>
-            <a:r>
-              <a:rPr lang="en-US" dirty="0"/>
-              <a:t> physicist</a:t>
-            </a:r>
-          </a:p>
-          <a:p>
-            <a:pPr>
-              <a:buFont typeface="Wingdings" panose="05000000000000000000" pitchFamily="2" charset="2"/>
-              <a:buChar char="§"/>
-            </a:pPr>
-            <a:r>
-              <a:rPr lang="en-US" dirty="0"/>
-              <a:t> The symbol for resistance is R</a:t>
-            </a:r>
-          </a:p>
-        </p:txBody>
-      </p:sp>
-      <p:sp>
-        <p:nvSpPr>
-          <p:cNvPr id="75" name="Rectangle 74">
-            <a:extLst>
-              <a:ext uri="{FF2B5EF4-FFF2-40B4-BE49-F238E27FC236}">
-                <a16:creationId xmlns:a16="http://schemas.microsoft.com/office/drawing/2014/main" id="{10DC0642-5384-4897-BC9B-E85F63D7BC60}"/>
-              </a:ext>
-              <a:ext uri="{C183D7F6-B498-43B3-948B-1728B52AA6E4}">
-                <adec:decorative xmlns:adec="http://schemas.microsoft.com/office/drawing/2017/decorative" val="1"/>
-              </a:ext>
-            </a:extLst>
-          </p:cNvPr>
-          <p:cNvSpPr>
-            <a:spLocks noGrp="1" noRot="1" noChangeAspect="1" noMove="1" noResize="1" noEditPoints="1" noAdjustHandles="1" noChangeArrowheads="1" noChangeShapeType="1" noTextEdit="1"/>
-          </p:cNvSpPr>
-          <p:nvPr>
-            <p:extLst>
-              <p:ext uri="{386F3935-93C4-4BCD-93E2-E3B085C9AB24}">
-                <p16:designElem xmlns:p16="http://schemas.microsoft.com/office/powerpoint/2015/main" val="1"/>
-              </p:ext>
-            </p:extLst>
-          </p:nvPr>
-        </p:nvSpPr>
-        <p:spPr>
-          <a:xfrm>
-            <a:off x="15" y="6334316"/>
-            <a:ext cx="12191985" cy="66484"/>
-          </a:xfrm>
-          <a:prstGeom prst="rect">
-            <a:avLst/>
-          </a:prstGeom>
-          <a:solidFill>
-            <a:schemeClr val="accent1"/>
-          </a:solidFill>
-          <a:ln>
-            <a:noFill/>
-          </a:ln>
-        </p:spPr>
-        <p:style>
-          <a:lnRef idx="2">
-            <a:schemeClr val="accent1">
-              <a:shade val="50000"/>
-            </a:schemeClr>
-          </a:lnRef>
-          <a:fillRef idx="1">
-            <a:schemeClr val="accent1"/>
-          </a:fillRef>
-          <a:effectRef idx="0">
-            <a:schemeClr val="accent1"/>
-          </a:effectRef>
-          <a:fontRef idx="minor">
-            <a:schemeClr val="lt1"/>
-          </a:fontRef>
-        </p:style>
-      </p:sp>
-      <p:sp>
-        <p:nvSpPr>
-          <p:cNvPr id="77" name="Rectangle 76">
-            <a:extLst>
-              <a:ext uri="{FF2B5EF4-FFF2-40B4-BE49-F238E27FC236}">
-                <a16:creationId xmlns:a16="http://schemas.microsoft.com/office/drawing/2014/main" id="{26015513-D3C4-4477-AA12-D8FF240AA3E6}"/>
-              </a:ext>
-              <a:ext uri="{C183D7F6-B498-43B3-948B-1728B52AA6E4}">
-                <adec:decorative xmlns:adec="http://schemas.microsoft.com/office/drawing/2017/decorative" val="1"/>
-              </a:ext>
-            </a:extLst>
-          </p:cNvPr>
-          <p:cNvSpPr>
-            <a:spLocks noGrp="1" noRot="1" noChangeAspect="1" noMove="1" noResize="1" noEditPoints="1" noAdjustHandles="1" noChangeArrowheads="1" noChangeShapeType="1" noTextEdit="1"/>
-          </p:cNvSpPr>
-          <p:nvPr>
-            <p:extLst>
-              <p:ext uri="{386F3935-93C4-4BCD-93E2-E3B085C9AB24}">
-                <p16:designElem xmlns:p16="http://schemas.microsoft.com/office/powerpoint/2015/main" val="1"/>
-              </p:ext>
-            </p:extLst>
-          </p:nvPr>
-        </p:nvSpPr>
-        <p:spPr>
-          <a:xfrm>
-            <a:off x="1" y="6400800"/>
-            <a:ext cx="12192000" cy="457200"/>
-          </a:xfrm>
-          <a:prstGeom prst="rect">
-            <a:avLst/>
-          </a:prstGeom>
-          <a:solidFill>
-            <a:schemeClr val="accent2"/>
-          </a:solidFill>
-          <a:ln>
-            <a:noFill/>
-          </a:ln>
-        </p:spPr>
-        <p:style>
-          <a:lnRef idx="2">
-            <a:schemeClr val="accent1">
-              <a:shade val="50000"/>
-            </a:schemeClr>
-          </a:lnRef>
-          <a:fillRef idx="1">
-            <a:schemeClr val="accent1"/>
-          </a:fillRef>
-          <a:effectRef idx="0">
-            <a:schemeClr val="accent1"/>
-          </a:effectRef>
-          <a:fontRef idx="minor">
-            <a:schemeClr val="lt1"/>
-          </a:fontRef>
-        </p:style>
-      </p:sp>
-      <p:sp>
-        <p:nvSpPr>
-          <p:cNvPr id="4" name="Footer Placeholder 3">
-            <a:extLst>
-              <a:ext uri="{FF2B5EF4-FFF2-40B4-BE49-F238E27FC236}">
-                <a16:creationId xmlns:a16="http://schemas.microsoft.com/office/drawing/2014/main" id="{59BAE94A-7F26-4EE7-96F1-EE3065F42871}"/>
-              </a:ext>
-            </a:extLst>
-          </p:cNvPr>
-          <p:cNvSpPr>
-            <a:spLocks noGrp="1"/>
-          </p:cNvSpPr>
-          <p:nvPr>
-            <p:ph type="ftr" sz="quarter" idx="11"/>
-          </p:nvPr>
-        </p:nvSpPr>
-        <p:spPr>
-          <a:xfrm>
-            <a:off x="3686185" y="6459785"/>
-            <a:ext cx="4822804" cy="365125"/>
-          </a:xfrm>
-        </p:spPr>
-        <p:txBody>
-          <a:bodyPr>
-            <a:normAutofit/>
-          </a:bodyPr>
-          <a:lstStyle/>
-          <a:p>
-            <a:pPr>
-              <a:spcAft>
-                <a:spcPts val="600"/>
-              </a:spcAft>
-            </a:pPr>
-            <a:r>
-              <a:rPr lang="en-US"/>
-              <a:t>Add a footer</a:t>
-            </a:r>
-          </a:p>
-        </p:txBody>
-      </p:sp>
-    </p:spTree>
-    <p:extLst>
-      <p:ext uri="{BB962C8B-B14F-4D97-AF65-F5344CB8AC3E}">
-        <p14:creationId xmlns:p14="http://schemas.microsoft.com/office/powerpoint/2010/main" val="2795271280"/>
+        <p14:creationId xmlns:p14="http://schemas.microsoft.com/office/powerpoint/2010/main" val="1062521777"/>
       </p:ext>
     </p:extLst>
   </p:cSld>
